--- a/Powerpoint/04.DockerNetwork.pptx
+++ b/Powerpoint/04.DockerNetwork.pptx
@@ -3786,13 +3786,13 @@
           <a:bodyPr/>
           <a:lstStyle/>
           <a:p>
-            <a:pPr marL="457200" indent="-457200" defTabSz="420624">
+            <a:pPr marL="412750" indent="-412750" defTabSz="379729">
               <a:spcBef>
-                <a:spcPts val="3000"/>
+                <a:spcPts val="2700"/>
               </a:spcBef>
               <a:buSzPct val="100000"/>
               <a:buAutoNum type="arabicPeriod" startAt="1"/>
-              <a:defRPr sz="2592"/>
+              <a:defRPr sz="2340"/>
             </a:pPr>
             <a:r>
               <a:t>สร้าง network ใหม่</a:t>
@@ -3800,13 +3800,13 @@
             <a:br/>
             <a:br/>
             <a:r>
-              <a:rPr sz="2016">
+              <a:rPr sz="1819">
                 <a:latin typeface="Menlo"/>
                 <a:ea typeface="Menlo"/>
                 <a:cs typeface="Menlo"/>
                 <a:sym typeface="Menlo"/>
               </a:rPr>
-              <a:t>$ docker network create --driver bridge mynet</a:t>
+              <a:t>$ docker network create --driver=bridge --subnet=192.168.0.0/16 mynet</a:t>
             </a:r>
             <a:br/>
             <a:br/>
@@ -3822,15 +3822,19 @@
             <a:r>
               <a:t> </a:t>
             </a:r>
-          </a:p>
-          <a:p>
-            <a:pPr marL="457200" indent="-457200" defTabSz="420624">
+            <a:br/>
+            <a:r>
+              <a:t>note2: flag --subnet ใช้เพื่อกำหนดกำหนด user subnet ถ้าไม่กำหนดจะได้ default subnet ที่สร้างโดย docker และไม่สามารถกำหนด fix ip เองได้ </a:t>
+            </a:r>
+          </a:p>
+          <a:p>
+            <a:pPr marL="412750" indent="-412750" defTabSz="379729">
               <a:spcBef>
-                <a:spcPts val="3000"/>
+                <a:spcPts val="2700"/>
               </a:spcBef>
               <a:buSzPct val="100000"/>
               <a:buAutoNum type="arabicPeriod" startAt="1"/>
-              <a:defRPr sz="2592"/>
+              <a:defRPr sz="2340"/>
             </a:pPr>
             <a:r>
               <a:t>ลอง inspect network ดู</a:t>
@@ -3838,7 +3842,7 @@
             <a:br/>
             <a:br/>
             <a:r>
-              <a:rPr sz="2016">
+              <a:rPr sz="1819">
                 <a:latin typeface="Menlo"/>
                 <a:ea typeface="Menlo"/>
                 <a:cs typeface="Menlo"/>
@@ -3848,13 +3852,13 @@
             </a:r>
           </a:p>
           <a:p>
-            <a:pPr marL="457200" indent="-457200" defTabSz="420624">
+            <a:pPr marL="412750" indent="-412750" defTabSz="379729">
               <a:spcBef>
-                <a:spcPts val="3000"/>
+                <a:spcPts val="2700"/>
               </a:spcBef>
               <a:buSzPct val="100000"/>
               <a:buAutoNum type="arabicPeriod" startAt="1"/>
-              <a:defRPr sz="2592"/>
+              <a:defRPr sz="2340"/>
             </a:pPr>
             <a:r>
               <a:t>สร้าง container ใหม่ โดยระบุว่าใช้ network “mynet” </a:t>
@@ -3862,7 +3866,7 @@
             <a:br/>
             <a:br/>
             <a:r>
-              <a:rPr sz="2016">
+              <a:rPr sz="1819">
                 <a:latin typeface="Menlo"/>
                 <a:ea typeface="Menlo"/>
                 <a:cs typeface="Menlo"/>
@@ -3872,13 +3876,13 @@
             </a:r>
           </a:p>
           <a:p>
-            <a:pPr marL="457200" indent="-457200" defTabSz="420624">
+            <a:pPr marL="412750" indent="-412750" defTabSz="379729">
               <a:spcBef>
-                <a:spcPts val="3000"/>
+                <a:spcPts val="2700"/>
               </a:spcBef>
               <a:buSzPct val="100000"/>
               <a:buAutoNum type="arabicPeriod" startAt="1"/>
-              <a:defRPr sz="2592"/>
+              <a:defRPr sz="2340"/>
             </a:pPr>
             <a:r>
               <a:t>ลอง inspect network ดูอีกครั้ง จะเห็นว่ามี container ชื่อ myubuntu อยู่ใน list </a:t>
@@ -3984,22 +3988,22 @@
           <a:bodyPr/>
           <a:lstStyle/>
           <a:p>
-            <a:pPr marL="302260" indent="-302260" defTabSz="397256">
+            <a:pPr marL="280034" indent="-280034" defTabSz="368045">
               <a:spcBef>
-                <a:spcPts val="2800"/>
+                <a:spcPts val="2600"/>
               </a:spcBef>
-              <a:defRPr sz="2448"/>
+              <a:defRPr sz="2268"/>
             </a:pPr>
             <a:r>
               <a:t>เราสามารถกำหนด IP ให้กับ container ได้ แต่ทำได้เฉพาะกับ user-defined network เท่านั้น ใช้กับ default network ไม่ได้</a:t>
             </a:r>
           </a:p>
           <a:p>
-            <a:pPr marL="302260" indent="-302260" defTabSz="397256">
+            <a:pPr marL="280034" indent="-280034" defTabSz="368045">
               <a:spcBef>
-                <a:spcPts val="2800"/>
+                <a:spcPts val="2600"/>
               </a:spcBef>
-              <a:defRPr sz="2448"/>
+              <a:defRPr sz="2268"/>
             </a:pPr>
             <a:r>
               <a:t>IP address จะต้องอยู่ใน subnet เดียวกับ user-defined network เท่านั้น (inspect network ดู)</a:t>
@@ -4007,21 +4011,46 @@
             <a:br/>
             <a:br/>
             <a:r>
-              <a:rPr sz="1904">
+              <a:rPr sz="1764">
                 <a:latin typeface="Menlo"/>
                 <a:ea typeface="Menlo"/>
                 <a:cs typeface="Menlo"/>
                 <a:sym typeface="Menlo"/>
               </a:rPr>
-              <a:t>$ docker run -dt --network=mynet --ip 172.18.0.100 ubuntu</a:t>
-            </a:r>
-          </a:p>
-          <a:p>
-            <a:pPr marL="302260" indent="-302260" defTabSz="397256">
+              <a:t>$ docker run -dt --network=mynet --ip 192.168.0.100 ubuntu</a:t>
+            </a:r>
+            <a:br>
+              <a:rPr sz="1764">
+                <a:latin typeface="Menlo"/>
+                <a:ea typeface="Menlo"/>
+                <a:cs typeface="Menlo"/>
+                <a:sym typeface="Menlo"/>
+              </a:rPr>
+            </a:br>
+            <a:br>
+              <a:rPr sz="1764">
+                <a:latin typeface="Menlo"/>
+                <a:ea typeface="Menlo"/>
+                <a:cs typeface="Menlo"/>
+                <a:sym typeface="Menlo"/>
+              </a:rPr>
+            </a:br>
+            <a:r>
+              <a:rPr sz="1764">
+                <a:latin typeface="Menlo"/>
+                <a:ea typeface="Menlo"/>
+                <a:cs typeface="Menlo"/>
+                <a:sym typeface="Menlo"/>
+              </a:rPr>
+              <a:t>note: ตอนสร้าง network ต้องกำหนด subnet จึงจะกำหนด fix ip ได้</a:t>
+            </a:r>
+          </a:p>
+          <a:p>
+            <a:pPr marL="280034" indent="-280034" defTabSz="368045">
               <a:spcBef>
-                <a:spcPts val="2800"/>
+                <a:spcPts val="2600"/>
               </a:spcBef>
-              <a:defRPr sz="2448"/>
+              <a:defRPr sz="2268"/>
             </a:pPr>
             <a:r>
               <a:t>นอกจากนั้น ยังสามารถกำหนด hostname ให้กับ container ได้ด้วย (ใช้กับ default network ได้)</a:t>
@@ -4029,7 +4058,7 @@
             <a:br/>
             <a:br/>
             <a:r>
-              <a:rPr sz="1904">
+              <a:rPr sz="1764">
                 <a:latin typeface="Menlo"/>
                 <a:ea typeface="Menlo"/>
                 <a:cs typeface="Menlo"/>
@@ -4037,7 +4066,7 @@
               </a:rPr>
               <a:t>$ docker run -dt --hostname ubuntu1 ubuntu</a:t>
             </a:r>
-            <a:endParaRPr sz="1904">
+            <a:endParaRPr sz="1764">
               <a:latin typeface="Menlo"/>
               <a:ea typeface="Menlo"/>
               <a:cs typeface="Menlo"/>
@@ -4045,11 +4074,11 @@
             </a:endParaRPr>
           </a:p>
           <a:p>
-            <a:pPr marL="302260" indent="-302260" defTabSz="397256">
+            <a:pPr marL="280034" indent="-280034" defTabSz="368045">
               <a:spcBef>
-                <a:spcPts val="2800"/>
+                <a:spcPts val="2600"/>
               </a:spcBef>
-              <a:defRPr sz="2448"/>
+              <a:defRPr sz="2268"/>
             </a:pPr>
             <a:r>
               <a:t>เราสามารถำหนด subnet ให้กับ network ได้</a:t>
@@ -4057,7 +4086,7 @@
             <a:br/>
             <a:br/>
             <a:r>
-              <a:rPr sz="1904">
+              <a:rPr sz="1764">
                 <a:latin typeface="Menlo"/>
                 <a:ea typeface="Menlo"/>
                 <a:cs typeface="Menlo"/>
